--- a/Hinh Hoc/NOTES/Anh CON NO Em.pptx
+++ b/Hinh Hoc/NOTES/Anh CON NO Em.pptx
@@ -15,6 +15,12 @@
     <p:sldId id="280" r:id="rId9"/>
     <p:sldId id="281" r:id="rId10"/>
     <p:sldId id="278" r:id="rId11"/>
+    <p:sldId id="282" r:id="rId12"/>
+    <p:sldId id="283" r:id="rId13"/>
+    <p:sldId id="284" r:id="rId14"/>
+    <p:sldId id="285" r:id="rId15"/>
+    <p:sldId id="286" r:id="rId16"/>
+    <p:sldId id="287" r:id="rId17"/>
   </p:sldIdLst>
   <p:sldSz cx="12192000" cy="6858000"/>
   <p:notesSz cx="6858000" cy="9144000"/>
@@ -252,7 +258,7 @@
           <a:p>
             <a:fld id="{1DCD95A3-209B-4A3A-B84B-31D4978F125A}" type="datetimeFigureOut">
               <a:rPr lang="en-US" smtClean="0"/>
-              <a:t>5/12/2021</a:t>
+              <a:t>5/14/2021</a:t>
             </a:fld>
             <a:endParaRPr lang="en-US"/>
           </a:p>
@@ -422,7 +428,7 @@
           <a:p>
             <a:fld id="{1DCD95A3-209B-4A3A-B84B-31D4978F125A}" type="datetimeFigureOut">
               <a:rPr lang="en-US" smtClean="0"/>
-              <a:t>5/12/2021</a:t>
+              <a:t>5/14/2021</a:t>
             </a:fld>
             <a:endParaRPr lang="en-US"/>
           </a:p>
@@ -602,7 +608,7 @@
           <a:p>
             <a:fld id="{1DCD95A3-209B-4A3A-B84B-31D4978F125A}" type="datetimeFigureOut">
               <a:rPr lang="en-US" smtClean="0"/>
-              <a:t>5/12/2021</a:t>
+              <a:t>5/14/2021</a:t>
             </a:fld>
             <a:endParaRPr lang="en-US"/>
           </a:p>
@@ -772,7 +778,7 @@
           <a:p>
             <a:fld id="{1DCD95A3-209B-4A3A-B84B-31D4978F125A}" type="datetimeFigureOut">
               <a:rPr lang="en-US" smtClean="0"/>
-              <a:t>5/12/2021</a:t>
+              <a:t>5/14/2021</a:t>
             </a:fld>
             <a:endParaRPr lang="en-US"/>
           </a:p>
@@ -1018,7 +1024,7 @@
           <a:p>
             <a:fld id="{1DCD95A3-209B-4A3A-B84B-31D4978F125A}" type="datetimeFigureOut">
               <a:rPr lang="en-US" smtClean="0"/>
-              <a:t>5/12/2021</a:t>
+              <a:t>5/14/2021</a:t>
             </a:fld>
             <a:endParaRPr lang="en-US"/>
           </a:p>
@@ -1250,7 +1256,7 @@
           <a:p>
             <a:fld id="{1DCD95A3-209B-4A3A-B84B-31D4978F125A}" type="datetimeFigureOut">
               <a:rPr lang="en-US" smtClean="0"/>
-              <a:t>5/12/2021</a:t>
+              <a:t>5/14/2021</a:t>
             </a:fld>
             <a:endParaRPr lang="en-US"/>
           </a:p>
@@ -1617,7 +1623,7 @@
           <a:p>
             <a:fld id="{1DCD95A3-209B-4A3A-B84B-31D4978F125A}" type="datetimeFigureOut">
               <a:rPr lang="en-US" smtClean="0"/>
-              <a:t>5/12/2021</a:t>
+              <a:t>5/14/2021</a:t>
             </a:fld>
             <a:endParaRPr lang="en-US"/>
           </a:p>
@@ -1735,7 +1741,7 @@
           <a:p>
             <a:fld id="{1DCD95A3-209B-4A3A-B84B-31D4978F125A}" type="datetimeFigureOut">
               <a:rPr lang="en-US" smtClean="0"/>
-              <a:t>5/12/2021</a:t>
+              <a:t>5/14/2021</a:t>
             </a:fld>
             <a:endParaRPr lang="en-US"/>
           </a:p>
@@ -1830,7 +1836,7 @@
           <a:p>
             <a:fld id="{1DCD95A3-209B-4A3A-B84B-31D4978F125A}" type="datetimeFigureOut">
               <a:rPr lang="en-US" smtClean="0"/>
-              <a:t>5/12/2021</a:t>
+              <a:t>5/14/2021</a:t>
             </a:fld>
             <a:endParaRPr lang="en-US"/>
           </a:p>
@@ -2107,7 +2113,7 @@
           <a:p>
             <a:fld id="{1DCD95A3-209B-4A3A-B84B-31D4978F125A}" type="datetimeFigureOut">
               <a:rPr lang="en-US" smtClean="0"/>
-              <a:t>5/12/2021</a:t>
+              <a:t>5/14/2021</a:t>
             </a:fld>
             <a:endParaRPr lang="en-US"/>
           </a:p>
@@ -2360,7 +2366,7 @@
           <a:p>
             <a:fld id="{1DCD95A3-209B-4A3A-B84B-31D4978F125A}" type="datetimeFigureOut">
               <a:rPr lang="en-US" smtClean="0"/>
-              <a:t>5/12/2021</a:t>
+              <a:t>5/14/2021</a:t>
             </a:fld>
             <a:endParaRPr lang="en-US"/>
           </a:p>
@@ -2573,7 +2579,7 @@
           <a:p>
             <a:fld id="{1DCD95A3-209B-4A3A-B84B-31D4978F125A}" type="datetimeFigureOut">
               <a:rPr lang="en-US" smtClean="0"/>
-              <a:t>5/12/2021</a:t>
+              <a:t>5/14/2021</a:t>
             </a:fld>
             <a:endParaRPr lang="en-US"/>
           </a:p>
@@ -3060,6 +3066,282 @@
     <p:extLst>
       <p:ext uri="{BB962C8B-B14F-4D97-AF65-F5344CB8AC3E}">
         <p14:creationId xmlns:p14="http://schemas.microsoft.com/office/powerpoint/2010/main" val="1120583094"/>
+      </p:ext>
+    </p:extLst>
+  </p:cSld>
+  <p:clrMapOvr>
+    <a:masterClrMapping/>
+  </p:clrMapOvr>
+</p:sld>
+</file>
+
+<file path=ppt/slides/slide11.xml><?xml version="1.0" encoding="utf-8"?>
+<p:sld xmlns:a="http://schemas.openxmlformats.org/drawingml/2006/main" xmlns:r="http://schemas.openxmlformats.org/officeDocument/2006/relationships" xmlns:p="http://schemas.openxmlformats.org/presentationml/2006/main">
+  <p:cSld>
+    <p:spTree>
+      <p:nvGrpSpPr>
+        <p:cNvPr id="1" name=""/>
+        <p:cNvGrpSpPr/>
+        <p:nvPr/>
+      </p:nvGrpSpPr>
+      <p:grpSpPr>
+        <a:xfrm>
+          <a:off x="0" y="0"/>
+          <a:ext cx="0" cy="0"/>
+          <a:chOff x="0" y="0"/>
+          <a:chExt cx="0" cy="0"/>
+        </a:xfrm>
+      </p:grpSpPr>
+      <p:pic>
+        <p:nvPicPr>
+          <p:cNvPr id="3" name="Picture 2"/>
+          <p:cNvPicPr>
+            <a:picLocks noChangeAspect="1"/>
+          </p:cNvPicPr>
+          <p:nvPr/>
+        </p:nvPicPr>
+        <p:blipFill>
+          <a:blip r:embed="rId2"/>
+          <a:stretch>
+            <a:fillRect/>
+          </a:stretch>
+        </p:blipFill>
+        <p:spPr>
+          <a:xfrm>
+            <a:off x="290268" y="0"/>
+            <a:ext cx="11611464" cy="6858000"/>
+          </a:xfrm>
+          <a:prstGeom prst="rect">
+            <a:avLst/>
+          </a:prstGeom>
+        </p:spPr>
+      </p:pic>
+    </p:spTree>
+    <p:extLst>
+      <p:ext uri="{BB962C8B-B14F-4D97-AF65-F5344CB8AC3E}">
+        <p14:creationId xmlns:p14="http://schemas.microsoft.com/office/powerpoint/2010/main" val="3010730266"/>
+      </p:ext>
+    </p:extLst>
+  </p:cSld>
+  <p:clrMapOvr>
+    <a:masterClrMapping/>
+  </p:clrMapOvr>
+</p:sld>
+</file>
+
+<file path=ppt/slides/slide12.xml><?xml version="1.0" encoding="utf-8"?>
+<p:sld xmlns:a="http://schemas.openxmlformats.org/drawingml/2006/main" xmlns:r="http://schemas.openxmlformats.org/officeDocument/2006/relationships" xmlns:p="http://schemas.openxmlformats.org/presentationml/2006/main">
+  <p:cSld>
+    <p:spTree>
+      <p:nvGrpSpPr>
+        <p:cNvPr id="1" name=""/>
+        <p:cNvGrpSpPr/>
+        <p:nvPr/>
+      </p:nvGrpSpPr>
+      <p:grpSpPr>
+        <a:xfrm>
+          <a:off x="0" y="0"/>
+          <a:ext cx="0" cy="0"/>
+          <a:chOff x="0" y="0"/>
+          <a:chExt cx="0" cy="0"/>
+        </a:xfrm>
+      </p:grpSpPr>
+      <p:pic>
+        <p:nvPicPr>
+          <p:cNvPr id="2" name="Picture 1"/>
+          <p:cNvPicPr>
+            <a:picLocks noChangeAspect="1"/>
+          </p:cNvPicPr>
+          <p:nvPr/>
+        </p:nvPicPr>
+        <p:blipFill>
+          <a:blip r:embed="rId2"/>
+          <a:stretch>
+            <a:fillRect/>
+          </a:stretch>
+        </p:blipFill>
+        <p:spPr>
+          <a:xfrm>
+            <a:off x="298174" y="0"/>
+            <a:ext cx="11595652" cy="6858000"/>
+          </a:xfrm>
+          <a:prstGeom prst="rect">
+            <a:avLst/>
+          </a:prstGeom>
+        </p:spPr>
+      </p:pic>
+    </p:spTree>
+    <p:extLst>
+      <p:ext uri="{BB962C8B-B14F-4D97-AF65-F5344CB8AC3E}">
+        <p14:creationId xmlns:p14="http://schemas.microsoft.com/office/powerpoint/2010/main" val="2835707379"/>
+      </p:ext>
+    </p:extLst>
+  </p:cSld>
+  <p:clrMapOvr>
+    <a:masterClrMapping/>
+  </p:clrMapOvr>
+</p:sld>
+</file>
+
+<file path=ppt/slides/slide13.xml><?xml version="1.0" encoding="utf-8"?>
+<p:sld xmlns:a="http://schemas.openxmlformats.org/drawingml/2006/main" xmlns:r="http://schemas.openxmlformats.org/officeDocument/2006/relationships" xmlns:p="http://schemas.openxmlformats.org/presentationml/2006/main">
+  <p:cSld>
+    <p:spTree>
+      <p:nvGrpSpPr>
+        <p:cNvPr id="1" name=""/>
+        <p:cNvGrpSpPr/>
+        <p:nvPr/>
+      </p:nvGrpSpPr>
+      <p:grpSpPr>
+        <a:xfrm>
+          <a:off x="0" y="0"/>
+          <a:ext cx="0" cy="0"/>
+          <a:chOff x="0" y="0"/>
+          <a:chExt cx="0" cy="0"/>
+        </a:xfrm>
+      </p:grpSpPr>
+      <p:pic>
+        <p:nvPicPr>
+          <p:cNvPr id="2" name="Picture 1"/>
+          <p:cNvPicPr>
+            <a:picLocks noChangeAspect="1"/>
+          </p:cNvPicPr>
+          <p:nvPr/>
+        </p:nvPicPr>
+        <p:blipFill>
+          <a:blip r:embed="rId2"/>
+          <a:stretch>
+            <a:fillRect/>
+          </a:stretch>
+        </p:blipFill>
+        <p:spPr>
+          <a:xfrm>
+            <a:off x="274674" y="0"/>
+            <a:ext cx="11642651" cy="6858000"/>
+          </a:xfrm>
+          <a:prstGeom prst="rect">
+            <a:avLst/>
+          </a:prstGeom>
+        </p:spPr>
+      </p:pic>
+    </p:spTree>
+    <p:extLst>
+      <p:ext uri="{BB962C8B-B14F-4D97-AF65-F5344CB8AC3E}">
+        <p14:creationId xmlns:p14="http://schemas.microsoft.com/office/powerpoint/2010/main" val="1484608549"/>
+      </p:ext>
+    </p:extLst>
+  </p:cSld>
+  <p:clrMapOvr>
+    <a:masterClrMapping/>
+  </p:clrMapOvr>
+</p:sld>
+</file>
+
+<file path=ppt/slides/slide14.xml><?xml version="1.0" encoding="utf-8"?>
+<p:sld xmlns:a="http://schemas.openxmlformats.org/drawingml/2006/main" xmlns:r="http://schemas.openxmlformats.org/officeDocument/2006/relationships" xmlns:p="http://schemas.openxmlformats.org/presentationml/2006/main">
+  <p:cSld>
+    <p:spTree>
+      <p:nvGrpSpPr>
+        <p:cNvPr id="1" name=""/>
+        <p:cNvGrpSpPr/>
+        <p:nvPr/>
+      </p:nvGrpSpPr>
+      <p:grpSpPr>
+        <a:xfrm>
+          <a:off x="0" y="0"/>
+          <a:ext cx="0" cy="0"/>
+          <a:chOff x="0" y="0"/>
+          <a:chExt cx="0" cy="0"/>
+        </a:xfrm>
+      </p:grpSpPr>
+      <p:pic>
+        <p:nvPicPr>
+          <p:cNvPr id="2" name="Picture 1"/>
+          <p:cNvPicPr>
+            <a:picLocks noChangeAspect="1"/>
+          </p:cNvPicPr>
+          <p:nvPr/>
+        </p:nvPicPr>
+        <p:blipFill>
+          <a:blip r:embed="rId2"/>
+          <a:stretch>
+            <a:fillRect/>
+          </a:stretch>
+        </p:blipFill>
+        <p:spPr>
+          <a:xfrm>
+            <a:off x="396814" y="118351"/>
+            <a:ext cx="11053751" cy="6541242"/>
+          </a:xfrm>
+          <a:prstGeom prst="rect">
+            <a:avLst/>
+          </a:prstGeom>
+        </p:spPr>
+      </p:pic>
+    </p:spTree>
+    <p:extLst>
+      <p:ext uri="{BB962C8B-B14F-4D97-AF65-F5344CB8AC3E}">
+        <p14:creationId xmlns:p14="http://schemas.microsoft.com/office/powerpoint/2010/main" val="161105104"/>
+      </p:ext>
+    </p:extLst>
+  </p:cSld>
+  <p:clrMapOvr>
+    <a:masterClrMapping/>
+  </p:clrMapOvr>
+</p:sld>
+</file>
+
+<file path=ppt/slides/slide15.xml><?xml version="1.0" encoding="utf-8"?>
+<p:sld xmlns:a="http://schemas.openxmlformats.org/drawingml/2006/main" xmlns:r="http://schemas.openxmlformats.org/officeDocument/2006/relationships" xmlns:p="http://schemas.openxmlformats.org/presentationml/2006/main">
+  <p:cSld>
+    <p:spTree>
+      <p:nvGrpSpPr>
+        <p:cNvPr id="1" name=""/>
+        <p:cNvGrpSpPr/>
+        <p:nvPr/>
+      </p:nvGrpSpPr>
+      <p:grpSpPr>
+        <a:xfrm>
+          <a:off x="0" y="0"/>
+          <a:ext cx="0" cy="0"/>
+          <a:chOff x="0" y="0"/>
+          <a:chExt cx="0" cy="0"/>
+        </a:xfrm>
+      </p:grpSpPr>
+    </p:spTree>
+    <p:extLst>
+      <p:ext uri="{BB962C8B-B14F-4D97-AF65-F5344CB8AC3E}">
+        <p14:creationId xmlns:p14="http://schemas.microsoft.com/office/powerpoint/2010/main" val="3080695442"/>
+      </p:ext>
+    </p:extLst>
+  </p:cSld>
+  <p:clrMapOvr>
+    <a:masterClrMapping/>
+  </p:clrMapOvr>
+</p:sld>
+</file>
+
+<file path=ppt/slides/slide16.xml><?xml version="1.0" encoding="utf-8"?>
+<p:sld xmlns:a="http://schemas.openxmlformats.org/drawingml/2006/main" xmlns:r="http://schemas.openxmlformats.org/officeDocument/2006/relationships" xmlns:p="http://schemas.openxmlformats.org/presentationml/2006/main">
+  <p:cSld>
+    <p:spTree>
+      <p:nvGrpSpPr>
+        <p:cNvPr id="1" name=""/>
+        <p:cNvGrpSpPr/>
+        <p:nvPr/>
+      </p:nvGrpSpPr>
+      <p:grpSpPr>
+        <a:xfrm>
+          <a:off x="0" y="0"/>
+          <a:ext cx="0" cy="0"/>
+          <a:chOff x="0" y="0"/>
+          <a:chExt cx="0" cy="0"/>
+        </a:xfrm>
+      </p:grpSpPr>
+    </p:spTree>
+    <p:extLst>
+      <p:ext uri="{BB962C8B-B14F-4D97-AF65-F5344CB8AC3E}">
+        <p14:creationId xmlns:p14="http://schemas.microsoft.com/office/powerpoint/2010/main" val="2715619693"/>
       </p:ext>
     </p:extLst>
   </p:cSld>
